--- a/interoperability/Deposition of Research Assets between FAIRDOM SEEKs and other public deposition services/Transfer_assets_between_FAIRDOM_SEEKS.pptx
+++ b/interoperability/Deposition of Research Assets between FAIRDOM SEEKs and other public deposition services/Transfer_assets_between_FAIRDOM_SEEKS.pptx
@@ -4664,15 +4664,7 @@
                   <a:schemeClr val="tx1"/>
                 </a:solidFill>
               </a:rPr>
-              <a:t>Stuart Owen: University of </a:t>
-            </a:r>
-            <a:r>
-              <a:rPr lang="en-GB" sz="2400" b="1" dirty="0" smtClean="0">
-                <a:solidFill>
-                  <a:schemeClr val="tx1"/>
-                </a:solidFill>
-              </a:rPr>
-              <a:t>Manchester</a:t>
+              <a:t>Stuart Owen: University of Manchester</a:t>
             </a:r>
           </a:p>
           <a:p>
@@ -4706,16 +4698,7 @@
                 </a:solidFill>
                 <a:hlinkClick r:id="rId3"/>
               </a:rPr>
-              <a:t>https://</a:t>
-            </a:r>
-            <a:r>
-              <a:rPr lang="en-GB" dirty="0" smtClean="0">
-                <a:solidFill>
-                  <a:schemeClr val="tx1"/>
-                </a:solidFill>
-                <a:hlinkClick r:id="rId3"/>
-              </a:rPr>
-              <a:t>seek4science.org</a:t>
+              <a:t>https://seek4science.org</a:t>
             </a:r>
             <a:endParaRPr lang="en-GB" dirty="0" smtClean="0">
               <a:solidFill>
@@ -4754,7 +4737,19 @@
             </a:r>
             <a:r>
               <a:rPr lang="en-GB" b="1" dirty="0"/>
-              <a:t>Assets between FAIRDOM SEEK's</a:t>
+              <a:t>Assets between </a:t>
+            </a:r>
+            <a:r>
+              <a:rPr lang="en-GB" b="1"/>
+              <a:t>FAIRDOM </a:t>
+            </a:r>
+            <a:r>
+              <a:rPr lang="en-GB" b="1" smtClean="0"/>
+              <a:t>SEEKs</a:t>
+            </a:r>
+            <a:r>
+              <a:rPr lang="en-GB" b="1" dirty="0"/>
+              <a:t/>
             </a:r>
             <a:br>
               <a:rPr lang="en-GB" b="1" dirty="0"/>
@@ -6325,11 +6320,7 @@
           <a:p>
             <a:r>
               <a:rPr lang="en-GB" sz="3100" dirty="0" smtClean="0"/>
-              <a:t>Hackathon </a:t>
-            </a:r>
-            <a:r>
-              <a:rPr lang="en-GB" sz="3100" dirty="0" smtClean="0"/>
-              <a:t>Side Goals</a:t>
+              <a:t>Hackathon Side Goals</a:t>
             </a:r>
             <a:endParaRPr lang="en-GB" sz="3100" dirty="0"/>
           </a:p>
@@ -7654,11 +7645,7 @@
           <a:p>
             <a:r>
               <a:rPr lang="en-GB" sz="3100" dirty="0" smtClean="0"/>
-              <a:t>Background </a:t>
-            </a:r>
-            <a:r>
-              <a:rPr lang="en-GB" sz="3100" dirty="0" smtClean="0"/>
-              <a:t>… FAIRDOM</a:t>
+              <a:t>Background … FAIRDOM</a:t>
             </a:r>
             <a:endParaRPr lang="en-GB" sz="3100" dirty="0"/>
           </a:p>
